--- a/OpenChain_JapanWG_EducationSG_20210317.pptx
+++ b/OpenChain_JapanWG_EducationSG_20210317.pptx
@@ -220,7 +220,7 @@
           <a:p>
             <a:fld id="{1D4E3106-D528-4E0D-8BF5-01AB3478AB52}" type="datetimeFigureOut">
               <a:rPr kumimoji="1" lang="ja-JP" altLang="en-US" smtClean="0"/>
-              <a:t>2021/2/12</a:t>
+              <a:t>2021/3/9</a:t>
             </a:fld>
             <a:endParaRPr kumimoji="1" lang="ja-JP" altLang="en-US"/>
           </a:p>
@@ -385,7 +385,7 @@
           <a:p>
             <a:fld id="{1C72E367-067E-4273-B816-629FE9D36E82}" type="datetimeFigureOut">
               <a:rPr kumimoji="1" lang="ja-JP" altLang="en-US" smtClean="0"/>
-              <a:t>2021/2/12</a:t>
+              <a:t>2021/3/9</a:t>
             </a:fld>
             <a:endParaRPr kumimoji="1" lang="ja-JP" altLang="en-US"/>
           </a:p>
@@ -4879,6 +4879,561 @@
           </a:p>
         </p:txBody>
       </p:sp>
+      <p:sp>
+        <p:nvSpPr>
+          <p:cNvPr id="4" name="テキスト プレースホルダー 1">
+            <a:extLst>
+              <a:ext uri="{FF2B5EF4-FFF2-40B4-BE49-F238E27FC236}">
+                <a16:creationId xmlns:a16="http://schemas.microsoft.com/office/drawing/2014/main" id="{8B6D69EB-25CC-4B3A-A643-5884A21BC9EE}"/>
+              </a:ext>
+            </a:extLst>
+          </p:cNvPr>
+          <p:cNvSpPr>
+            <a:spLocks noGrp="1"/>
+          </p:cNvSpPr>
+          <p:nvPr>
+            <p:ph type="body" idx="1"/>
+          </p:nvPr>
+        </p:nvSpPr>
+        <p:spPr>
+          <a:xfrm>
+            <a:off x="495301" y="967782"/>
+            <a:ext cx="8915399" cy="5595250"/>
+          </a:xfrm>
+        </p:spPr>
+        <p:txBody>
+          <a:bodyPr/>
+          <a:lstStyle/>
+          <a:p>
+            <a:pPr marL="0" indent="0">
+              <a:buNone/>
+            </a:pPr>
+            <a:r>
+              <a:rPr kumimoji="1" lang="en-US" altLang="ja-JP" dirty="0">
+                <a:latin typeface="メイリオ" panose="020B0604030504040204" pitchFamily="50" charset="-128"/>
+                <a:ea typeface="メイリオ" panose="020B0604030504040204" pitchFamily="50" charset="-128"/>
+                <a:cs typeface="メイリオ" panose="020B0604030504040204" pitchFamily="50" charset="-128"/>
+              </a:rPr>
+              <a:t>OSS</a:t>
+            </a:r>
+            <a:r>
+              <a:rPr kumimoji="1" lang="ja-JP" altLang="en-US" dirty="0">
+                <a:latin typeface="メイリオ" panose="020B0604030504040204" pitchFamily="50" charset="-128"/>
+                <a:ea typeface="メイリオ" panose="020B0604030504040204" pitchFamily="50" charset="-128"/>
+                <a:cs typeface="メイリオ" panose="020B0604030504040204" pitchFamily="50" charset="-128"/>
+              </a:rPr>
+              <a:t>のコンプライアンスにかかる教育の状況について議論し、活動内容を下記としました。</a:t>
+            </a:r>
+          </a:p>
+          <a:p>
+            <a:pPr marL="342900" indent="-342900">
+              <a:buFont typeface="+mj-lt"/>
+              <a:buAutoNum type="alphaLcPeriod"/>
+            </a:pPr>
+            <a:r>
+              <a:rPr kumimoji="1" lang="en-US" altLang="ja-JP" sz="1800" dirty="0" err="1">
+                <a:latin typeface="メイリオ" panose="020B0604030504040204" pitchFamily="50" charset="-128"/>
+                <a:ea typeface="メイリオ" panose="020B0604030504040204" pitchFamily="50" charset="-128"/>
+                <a:cs typeface="メイリオ" panose="020B0604030504040204" pitchFamily="50" charset="-128"/>
+              </a:rPr>
+              <a:t>OpenChain</a:t>
+            </a:r>
+            <a:r>
+              <a:rPr kumimoji="1" lang="ja-JP" altLang="en-US" sz="1800" dirty="0">
+                <a:latin typeface="メイリオ" panose="020B0604030504040204" pitchFamily="50" charset="-128"/>
+                <a:ea typeface="メイリオ" panose="020B0604030504040204" pitchFamily="50" charset="-128"/>
+                <a:cs typeface="メイリオ" panose="020B0604030504040204" pitchFamily="50" charset="-128"/>
+              </a:rPr>
+              <a:t>設立前から、</a:t>
+            </a:r>
+            <a:r>
+              <a:rPr kumimoji="1" lang="en-US" altLang="ja-JP" sz="1800" dirty="0">
+                <a:latin typeface="メイリオ" panose="020B0604030504040204" pitchFamily="50" charset="-128"/>
+                <a:ea typeface="メイリオ" panose="020B0604030504040204" pitchFamily="50" charset="-128"/>
+                <a:cs typeface="メイリオ" panose="020B0604030504040204" pitchFamily="50" charset="-128"/>
+              </a:rPr>
+              <a:t>OSS</a:t>
+            </a:r>
+            <a:r>
+              <a:rPr kumimoji="1" lang="ja-JP" altLang="en-US" sz="1800" dirty="0">
+                <a:latin typeface="メイリオ" panose="020B0604030504040204" pitchFamily="50" charset="-128"/>
+                <a:ea typeface="メイリオ" panose="020B0604030504040204" pitchFamily="50" charset="-128"/>
+                <a:cs typeface="メイリオ" panose="020B0604030504040204" pitchFamily="50" charset="-128"/>
+              </a:rPr>
+              <a:t>に関する教育を実施している会社もある。</a:t>
+            </a:r>
+            <a:endParaRPr kumimoji="1" lang="en-US" altLang="ja-JP" sz="1800" dirty="0">
+              <a:latin typeface="メイリオ" panose="020B0604030504040204" pitchFamily="50" charset="-128"/>
+              <a:ea typeface="メイリオ" panose="020B0604030504040204" pitchFamily="50" charset="-128"/>
+              <a:cs typeface="メイリオ" panose="020B0604030504040204" pitchFamily="50" charset="-128"/>
+            </a:endParaRPr>
+          </a:p>
+          <a:p>
+            <a:pPr marL="342900" indent="-342900">
+              <a:buFont typeface="+mj-lt"/>
+              <a:buAutoNum type="alphaLcPeriod"/>
+            </a:pPr>
+            <a:r>
+              <a:rPr kumimoji="1" lang="ja-JP" altLang="en-US" sz="1800" dirty="0">
+                <a:latin typeface="メイリオ" panose="020B0604030504040204" pitchFamily="50" charset="-128"/>
+                <a:ea typeface="メイリオ" panose="020B0604030504040204" pitchFamily="50" charset="-128"/>
+                <a:cs typeface="メイリオ" panose="020B0604030504040204" pitchFamily="50" charset="-128"/>
+              </a:rPr>
+              <a:t>これから教育を実施する会社は、どういう教育内容、対象者からスタートすべきか</a:t>
+            </a:r>
+            <a:r>
+              <a:rPr kumimoji="1" lang="ja-JP" altLang="en-US" sz="1800" dirty="0" err="1">
+                <a:latin typeface="メイリオ" panose="020B0604030504040204" pitchFamily="50" charset="-128"/>
+                <a:ea typeface="メイリオ" panose="020B0604030504040204" pitchFamily="50" charset="-128"/>
+                <a:cs typeface="メイリオ" panose="020B0604030504040204" pitchFamily="50" charset="-128"/>
+              </a:rPr>
+              <a:t>？、</a:t>
+            </a:r>
+            <a:r>
+              <a:rPr kumimoji="1" lang="ja-JP" altLang="en-US" sz="1800" dirty="0">
+                <a:latin typeface="メイリオ" panose="020B0604030504040204" pitchFamily="50" charset="-128"/>
+                <a:ea typeface="メイリオ" panose="020B0604030504040204" pitchFamily="50" charset="-128"/>
+                <a:cs typeface="メイリオ" panose="020B0604030504040204" pitchFamily="50" charset="-128"/>
+              </a:rPr>
+              <a:t>検討が必要。</a:t>
+            </a:r>
+            <a:endParaRPr kumimoji="1" lang="en-US" altLang="ja-JP" sz="1800" dirty="0">
+              <a:latin typeface="メイリオ" panose="020B0604030504040204" pitchFamily="50" charset="-128"/>
+              <a:ea typeface="メイリオ" panose="020B0604030504040204" pitchFamily="50" charset="-128"/>
+              <a:cs typeface="メイリオ" panose="020B0604030504040204" pitchFamily="50" charset="-128"/>
+            </a:endParaRPr>
+          </a:p>
+          <a:p>
+            <a:pPr marL="342900" indent="-342900">
+              <a:buFont typeface="+mj-lt"/>
+              <a:buAutoNum type="alphaLcPeriod"/>
+            </a:pPr>
+            <a:r>
+              <a:rPr kumimoji="1" lang="ja-JP" altLang="en-US" sz="1800" dirty="0">
+                <a:latin typeface="メイリオ" panose="020B0604030504040204" pitchFamily="50" charset="-128"/>
+                <a:ea typeface="メイリオ" panose="020B0604030504040204" pitchFamily="50" charset="-128"/>
+                <a:cs typeface="メイリオ" panose="020B0604030504040204" pitchFamily="50" charset="-128"/>
+              </a:rPr>
+              <a:t>会社毎のビジネス形態により、 </a:t>
+            </a:r>
+            <a:r>
+              <a:rPr kumimoji="1" lang="en-US" altLang="ja-JP" sz="1800" dirty="0">
+                <a:latin typeface="メイリオ" panose="020B0604030504040204" pitchFamily="50" charset="-128"/>
+                <a:ea typeface="メイリオ" panose="020B0604030504040204" pitchFamily="50" charset="-128"/>
+                <a:cs typeface="メイリオ" panose="020B0604030504040204" pitchFamily="50" charset="-128"/>
+              </a:rPr>
+              <a:t>OSS</a:t>
+            </a:r>
+            <a:r>
+              <a:rPr kumimoji="1" lang="ja-JP" altLang="en-US" sz="1800" dirty="0">
+                <a:latin typeface="メイリオ" panose="020B0604030504040204" pitchFamily="50" charset="-128"/>
+                <a:ea typeface="メイリオ" panose="020B0604030504040204" pitchFamily="50" charset="-128"/>
+                <a:cs typeface="メイリオ" panose="020B0604030504040204" pitchFamily="50" charset="-128"/>
+              </a:rPr>
+              <a:t>に関わる必要な</a:t>
+            </a:r>
+            <a:r>
+              <a:rPr kumimoji="1" lang="ja-JP" altLang="en-US" sz="1800" dirty="0">
+                <a:solidFill>
+                  <a:schemeClr val="tx2">
+                    <a:lumMod val="25000"/>
+                  </a:schemeClr>
+                </a:solidFill>
+                <a:latin typeface="メイリオ" panose="020B0604030504040204" pitchFamily="50" charset="-128"/>
+                <a:ea typeface="メイリオ" panose="020B0604030504040204" pitchFamily="50" charset="-128"/>
+                <a:cs typeface="メイリオ" panose="020B0604030504040204" pitchFamily="50" charset="-128"/>
+              </a:rPr>
+              <a:t>ビジネスフロー</a:t>
+            </a:r>
+            <a:r>
+              <a:rPr kumimoji="1" lang="ja-JP" altLang="en-US" sz="1800" dirty="0">
+                <a:latin typeface="メイリオ" panose="020B0604030504040204" pitchFamily="50" charset="-128"/>
+                <a:ea typeface="メイリオ" panose="020B0604030504040204" pitchFamily="50" charset="-128"/>
+                <a:cs typeface="メイリオ" panose="020B0604030504040204" pitchFamily="50" charset="-128"/>
+              </a:rPr>
+              <a:t>は異なる</a:t>
+            </a:r>
+            <a:endParaRPr kumimoji="1" lang="en-US" altLang="ja-JP" sz="1800" dirty="0">
+              <a:latin typeface="メイリオ" panose="020B0604030504040204" pitchFamily="50" charset="-128"/>
+              <a:ea typeface="メイリオ" panose="020B0604030504040204" pitchFamily="50" charset="-128"/>
+              <a:cs typeface="メイリオ" panose="020B0604030504040204" pitchFamily="50" charset="-128"/>
+            </a:endParaRPr>
+          </a:p>
+          <a:p>
+            <a:pPr marL="342900" indent="-342900">
+              <a:buFont typeface="+mj-lt"/>
+              <a:buAutoNum type="alphaLcPeriod"/>
+            </a:pPr>
+            <a:r>
+              <a:rPr kumimoji="1" lang="en-US" altLang="ja-JP" sz="1800" dirty="0">
+                <a:latin typeface="メイリオ" panose="020B0604030504040204" pitchFamily="50" charset="-128"/>
+                <a:ea typeface="メイリオ" panose="020B0604030504040204" pitchFamily="50" charset="-128"/>
+                <a:cs typeface="メイリオ" panose="020B0604030504040204" pitchFamily="50" charset="-128"/>
+              </a:rPr>
+              <a:t>OSS</a:t>
+            </a:r>
+            <a:r>
+              <a:rPr kumimoji="1" lang="ja-JP" altLang="en-US" sz="1800" dirty="0">
+                <a:latin typeface="メイリオ" panose="020B0604030504040204" pitchFamily="50" charset="-128"/>
+                <a:ea typeface="メイリオ" panose="020B0604030504040204" pitchFamily="50" charset="-128"/>
+                <a:cs typeface="メイリオ" panose="020B0604030504040204" pitchFamily="50" charset="-128"/>
+              </a:rPr>
+              <a:t>に関わる上で、役割ごとに本当に必要最小限な教育観点は異なっている。</a:t>
+            </a:r>
+            <a:endParaRPr kumimoji="1" lang="en-US" altLang="ja-JP" sz="1800" dirty="0">
+              <a:latin typeface="メイリオ" panose="020B0604030504040204" pitchFamily="50" charset="-128"/>
+              <a:ea typeface="メイリオ" panose="020B0604030504040204" pitchFamily="50" charset="-128"/>
+              <a:cs typeface="メイリオ" panose="020B0604030504040204" pitchFamily="50" charset="-128"/>
+            </a:endParaRPr>
+          </a:p>
+          <a:p>
+            <a:pPr marL="342900" indent="-342900">
+              <a:buFont typeface="+mj-lt"/>
+              <a:buAutoNum type="alphaLcPeriod"/>
+            </a:pPr>
+            <a:r>
+              <a:rPr kumimoji="1" lang="en-US" altLang="ja-JP" sz="1800" dirty="0">
+                <a:solidFill>
+                  <a:srgbClr val="FFC000"/>
+                </a:solidFill>
+                <a:latin typeface="メイリオ" panose="020B0604030504040204" pitchFamily="50" charset="-128"/>
+                <a:ea typeface="メイリオ" panose="020B0604030504040204" pitchFamily="50" charset="-128"/>
+                <a:cs typeface="メイリオ" panose="020B0604030504040204" pitchFamily="50" charset="-128"/>
+              </a:rPr>
+              <a:t>Curriculum</a:t>
+            </a:r>
+            <a:r>
+              <a:rPr kumimoji="1" lang="en-US" altLang="ja-JP" sz="1800" dirty="0">
+                <a:latin typeface="メイリオ" panose="020B0604030504040204" pitchFamily="50" charset="-128"/>
+                <a:ea typeface="メイリオ" panose="020B0604030504040204" pitchFamily="50" charset="-128"/>
+                <a:cs typeface="メイリオ" panose="020B0604030504040204" pitchFamily="50" charset="-128"/>
+              </a:rPr>
+              <a:t>※</a:t>
+            </a:r>
+            <a:r>
+              <a:rPr kumimoji="1" lang="ja-JP" altLang="en-US" sz="1800" dirty="0">
+                <a:latin typeface="メイリオ" panose="020B0604030504040204" pitchFamily="50" charset="-128"/>
+                <a:ea typeface="メイリオ" panose="020B0604030504040204" pitchFamily="50" charset="-128"/>
+                <a:cs typeface="メイリオ" panose="020B0604030504040204" pitchFamily="50" charset="-128"/>
+              </a:rPr>
+              <a:t>を全て教育内容に盛り込むと、受講意欲が無くなる。</a:t>
+            </a:r>
+            <a:endParaRPr kumimoji="1" lang="en-US" altLang="ja-JP" sz="1800" dirty="0">
+              <a:latin typeface="メイリオ" panose="020B0604030504040204" pitchFamily="50" charset="-128"/>
+              <a:ea typeface="メイリオ" panose="020B0604030504040204" pitchFamily="50" charset="-128"/>
+              <a:cs typeface="メイリオ" panose="020B0604030504040204" pitchFamily="50" charset="-128"/>
+            </a:endParaRPr>
+          </a:p>
+          <a:p>
+            <a:pPr marL="342900" indent="-342900">
+              <a:buFont typeface="+mj-lt"/>
+              <a:buAutoNum type="alphaLcPeriod"/>
+            </a:pPr>
+            <a:r>
+              <a:rPr kumimoji="1" lang="en-US" altLang="ja-JP" sz="1800" dirty="0">
+                <a:solidFill>
+                  <a:srgbClr val="FF0000"/>
+                </a:solidFill>
+                <a:latin typeface="メイリオ" panose="020B0604030504040204" pitchFamily="50" charset="-128"/>
+                <a:ea typeface="メイリオ" panose="020B0604030504040204" pitchFamily="50" charset="-128"/>
+                <a:cs typeface="メイリオ" panose="020B0604030504040204" pitchFamily="50" charset="-128"/>
+              </a:rPr>
+              <a:t>Specification</a:t>
+            </a:r>
+            <a:r>
+              <a:rPr kumimoji="1" lang="en-US" altLang="ja-JP" sz="1800" dirty="0">
+                <a:latin typeface="メイリオ" panose="020B0604030504040204" pitchFamily="50" charset="-128"/>
+                <a:ea typeface="メイリオ" panose="020B0604030504040204" pitchFamily="50" charset="-128"/>
+                <a:cs typeface="メイリオ" panose="020B0604030504040204" pitchFamily="50" charset="-128"/>
+              </a:rPr>
+              <a:t>※, </a:t>
+            </a:r>
+            <a:r>
+              <a:rPr kumimoji="1" lang="en-US" altLang="ja-JP" sz="1800" dirty="0">
+                <a:solidFill>
+                  <a:srgbClr val="FFC000"/>
+                </a:solidFill>
+                <a:latin typeface="メイリオ" panose="020B0604030504040204" pitchFamily="50" charset="-128"/>
+                <a:ea typeface="メイリオ" panose="020B0604030504040204" pitchFamily="50" charset="-128"/>
+                <a:cs typeface="メイリオ" panose="020B0604030504040204" pitchFamily="50" charset="-128"/>
+              </a:rPr>
+              <a:t>Curriculum</a:t>
+            </a:r>
+            <a:r>
+              <a:rPr kumimoji="1" lang="ja-JP" altLang="en-US" sz="1800" dirty="0">
+                <a:latin typeface="メイリオ" panose="020B0604030504040204" pitchFamily="50" charset="-128"/>
+                <a:ea typeface="メイリオ" panose="020B0604030504040204" pitchFamily="50" charset="-128"/>
+                <a:cs typeface="メイリオ" panose="020B0604030504040204" pitchFamily="50" charset="-128"/>
+              </a:rPr>
+              <a:t>との整合性も考慮が必要。</a:t>
+            </a:r>
+            <a:endParaRPr kumimoji="1" lang="en-US" altLang="ja-JP" sz="1800" dirty="0">
+              <a:latin typeface="メイリオ" panose="020B0604030504040204" pitchFamily="50" charset="-128"/>
+              <a:ea typeface="メイリオ" panose="020B0604030504040204" pitchFamily="50" charset="-128"/>
+              <a:cs typeface="メイリオ" panose="020B0604030504040204" pitchFamily="50" charset="-128"/>
+            </a:endParaRPr>
+          </a:p>
+          <a:p>
+            <a:pPr marL="0" indent="0">
+              <a:buNone/>
+            </a:pPr>
+            <a:r>
+              <a:rPr kumimoji="1" lang="en-US" altLang="ja-JP" sz="1800" dirty="0">
+                <a:latin typeface="メイリオ" panose="020B0604030504040204" pitchFamily="50" charset="-128"/>
+                <a:ea typeface="メイリオ" panose="020B0604030504040204" pitchFamily="50" charset="-128"/>
+                <a:cs typeface="メイリオ" panose="020B0604030504040204" pitchFamily="50" charset="-128"/>
+              </a:rPr>
+              <a:t>(※</a:t>
+            </a:r>
+            <a:r>
+              <a:rPr kumimoji="1" lang="ja-JP" altLang="en-US" sz="1800" dirty="0">
+                <a:latin typeface="メイリオ" panose="020B0604030504040204" pitchFamily="50" charset="-128"/>
+                <a:ea typeface="メイリオ" panose="020B0604030504040204" pitchFamily="50" charset="-128"/>
+                <a:cs typeface="メイリオ" panose="020B0604030504040204" pitchFamily="50" charset="-128"/>
+              </a:rPr>
+              <a:t>：</a:t>
+            </a:r>
+            <a:r>
+              <a:rPr kumimoji="1" lang="en-US" altLang="ja-JP" sz="1800" dirty="0">
+                <a:solidFill>
+                  <a:srgbClr val="FF0000"/>
+                </a:solidFill>
+                <a:latin typeface="メイリオ" panose="020B0604030504040204" pitchFamily="50" charset="-128"/>
+                <a:ea typeface="メイリオ" panose="020B0604030504040204" pitchFamily="50" charset="-128"/>
+                <a:cs typeface="メイリオ" panose="020B0604030504040204" pitchFamily="50" charset="-128"/>
+              </a:rPr>
+              <a:t>Specification</a:t>
+            </a:r>
+            <a:r>
+              <a:rPr kumimoji="1" lang="ja-JP" altLang="en-US" sz="1800" dirty="0">
+                <a:latin typeface="メイリオ" panose="020B0604030504040204" pitchFamily="50" charset="-128"/>
+                <a:ea typeface="メイリオ" panose="020B0604030504040204" pitchFamily="50" charset="-128"/>
+                <a:cs typeface="メイリオ" panose="020B0604030504040204" pitchFamily="50" charset="-128"/>
+              </a:rPr>
+              <a:t>は</a:t>
+            </a:r>
+            <a:r>
+              <a:rPr kumimoji="1" lang="en-US" altLang="ja-JP" sz="1800" dirty="0" err="1">
+                <a:latin typeface="メイリオ" panose="020B0604030504040204" pitchFamily="50" charset="-128"/>
+                <a:ea typeface="メイリオ" panose="020B0604030504040204" pitchFamily="50" charset="-128"/>
+                <a:cs typeface="メイリオ" panose="020B0604030504040204" pitchFamily="50" charset="-128"/>
+              </a:rPr>
+              <a:t>OpenChain</a:t>
+            </a:r>
+            <a:r>
+              <a:rPr kumimoji="1" lang="ja-JP" altLang="en-US" sz="1800" dirty="0">
+                <a:latin typeface="メイリオ" panose="020B0604030504040204" pitchFamily="50" charset="-128"/>
+                <a:ea typeface="メイリオ" panose="020B0604030504040204" pitchFamily="50" charset="-128"/>
+                <a:cs typeface="メイリオ" panose="020B0604030504040204" pitchFamily="50" charset="-128"/>
+              </a:rPr>
+              <a:t>の一連の要件を定義している仕様書、</a:t>
+            </a:r>
+          </a:p>
+          <a:p>
+            <a:pPr marL="0" indent="0">
+              <a:buNone/>
+            </a:pPr>
+            <a:r>
+              <a:rPr kumimoji="1" lang="en-US" altLang="ja-JP" sz="1800" dirty="0">
+                <a:solidFill>
+                  <a:srgbClr val="FFC000"/>
+                </a:solidFill>
+                <a:latin typeface="メイリオ" panose="020B0604030504040204" pitchFamily="50" charset="-128"/>
+                <a:ea typeface="メイリオ" panose="020B0604030504040204" pitchFamily="50" charset="-128"/>
+                <a:cs typeface="メイリオ" panose="020B0604030504040204" pitchFamily="50" charset="-128"/>
+              </a:rPr>
+              <a:t>Curriculum</a:t>
+            </a:r>
+            <a:r>
+              <a:rPr kumimoji="1" lang="ja-JP" altLang="en-US" sz="1800" dirty="0">
+                <a:latin typeface="メイリオ" panose="020B0604030504040204" pitchFamily="50" charset="-128"/>
+                <a:ea typeface="メイリオ" panose="020B0604030504040204" pitchFamily="50" charset="-128"/>
+                <a:cs typeface="メイリオ" panose="020B0604030504040204" pitchFamily="50" charset="-128"/>
+              </a:rPr>
+              <a:t>は</a:t>
+            </a:r>
+            <a:r>
+              <a:rPr kumimoji="1" lang="en-US" altLang="ja-JP" sz="1800" dirty="0" err="1">
+                <a:latin typeface="メイリオ" panose="020B0604030504040204" pitchFamily="50" charset="-128"/>
+                <a:ea typeface="メイリオ" panose="020B0604030504040204" pitchFamily="50" charset="-128"/>
+                <a:cs typeface="メイリオ" panose="020B0604030504040204" pitchFamily="50" charset="-128"/>
+              </a:rPr>
+              <a:t>OpenChain</a:t>
+            </a:r>
+            <a:r>
+              <a:rPr kumimoji="1" lang="ja-JP" altLang="en-US" sz="1800" dirty="0">
+                <a:latin typeface="メイリオ" panose="020B0604030504040204" pitchFamily="50" charset="-128"/>
+                <a:ea typeface="メイリオ" panose="020B0604030504040204" pitchFamily="50" charset="-128"/>
+                <a:cs typeface="メイリオ" panose="020B0604030504040204" pitchFamily="50" charset="-128"/>
+              </a:rPr>
+              <a:t>の</a:t>
+            </a:r>
+            <a:r>
+              <a:rPr kumimoji="1" lang="en-US" altLang="ja-JP" sz="1800" dirty="0">
+                <a:latin typeface="メイリオ" panose="020B0604030504040204" pitchFamily="50" charset="-128"/>
+                <a:ea typeface="メイリオ" panose="020B0604030504040204" pitchFamily="50" charset="-128"/>
+                <a:cs typeface="メイリオ" panose="020B0604030504040204" pitchFamily="50" charset="-128"/>
+              </a:rPr>
+              <a:t>Specification</a:t>
+            </a:r>
+            <a:r>
+              <a:rPr kumimoji="1" lang="ja-JP" altLang="en-US" sz="1800" dirty="0">
+                <a:latin typeface="メイリオ" panose="020B0604030504040204" pitchFamily="50" charset="-128"/>
+                <a:ea typeface="メイリオ" panose="020B0604030504040204" pitchFamily="50" charset="-128"/>
+                <a:cs typeface="メイリオ" panose="020B0604030504040204" pitchFamily="50" charset="-128"/>
+              </a:rPr>
+              <a:t>を下支えするトレーニング教材</a:t>
+            </a:r>
+            <a:r>
+              <a:rPr kumimoji="1" lang="en-US" altLang="ja-JP" sz="1800" dirty="0">
+                <a:latin typeface="メイリオ" panose="020B0604030504040204" pitchFamily="50" charset="-128"/>
+                <a:ea typeface="メイリオ" panose="020B0604030504040204" pitchFamily="50" charset="-128"/>
+                <a:cs typeface="メイリオ" panose="020B0604030504040204" pitchFamily="50" charset="-128"/>
+              </a:rPr>
+              <a:t>)</a:t>
+            </a:r>
+          </a:p>
+          <a:p>
+            <a:pPr marL="0" indent="0">
+              <a:buNone/>
+            </a:pPr>
+            <a:endParaRPr kumimoji="1" lang="en-US" altLang="ja-JP" sz="1400" dirty="0">
+              <a:latin typeface="メイリオ" panose="020B0604030504040204" pitchFamily="50" charset="-128"/>
+              <a:ea typeface="メイリオ" panose="020B0604030504040204" pitchFamily="50" charset="-128"/>
+              <a:cs typeface="メイリオ" panose="020B0604030504040204" pitchFamily="50" charset="-128"/>
+            </a:endParaRPr>
+          </a:p>
+          <a:p>
+            <a:pPr marL="0" indent="0">
+              <a:buNone/>
+            </a:pPr>
+            <a:r>
+              <a:rPr kumimoji="1" lang="ja-JP" altLang="en-US" sz="2000" dirty="0">
+                <a:latin typeface="メイリオ" panose="020B0604030504040204" pitchFamily="50" charset="-128"/>
+                <a:ea typeface="メイリオ" panose="020B0604030504040204" pitchFamily="50" charset="-128"/>
+                <a:cs typeface="メイリオ" panose="020B0604030504040204" pitchFamily="50" charset="-128"/>
+              </a:rPr>
+              <a:t>活動内容</a:t>
+            </a:r>
+            <a:endParaRPr kumimoji="1" lang="en-US" altLang="ja-JP" sz="2000" dirty="0">
+              <a:latin typeface="メイリオ" panose="020B0604030504040204" pitchFamily="50" charset="-128"/>
+              <a:ea typeface="メイリオ" panose="020B0604030504040204" pitchFamily="50" charset="-128"/>
+              <a:cs typeface="メイリオ" panose="020B0604030504040204" pitchFamily="50" charset="-128"/>
+            </a:endParaRPr>
+          </a:p>
+          <a:p>
+            <a:pPr marL="457200" indent="-457200">
+              <a:buAutoNum type="arabicParenBoth"/>
+            </a:pPr>
+            <a:r>
+              <a:rPr lang="ja-JP" altLang="en-US" sz="2000" dirty="0">
+                <a:solidFill>
+                  <a:schemeClr val="bg2">
+                    <a:lumMod val="75000"/>
+                  </a:schemeClr>
+                </a:solidFill>
+                <a:latin typeface="メイリオ" panose="020B0604030504040204" pitchFamily="50" charset="-128"/>
+                <a:ea typeface="メイリオ" panose="020B0604030504040204" pitchFamily="50" charset="-128"/>
+                <a:cs typeface="メイリオ" panose="020B0604030504040204" pitchFamily="50" charset="-128"/>
+              </a:rPr>
+              <a:t>４社の教育事例の分析</a:t>
+            </a:r>
+            <a:endParaRPr lang="en-US" altLang="ja-JP" sz="2000" dirty="0">
+              <a:solidFill>
+                <a:schemeClr val="bg2">
+                  <a:lumMod val="75000"/>
+                </a:schemeClr>
+              </a:solidFill>
+              <a:latin typeface="メイリオ" panose="020B0604030504040204" pitchFamily="50" charset="-128"/>
+              <a:ea typeface="メイリオ" panose="020B0604030504040204" pitchFamily="50" charset="-128"/>
+              <a:cs typeface="メイリオ" panose="020B0604030504040204" pitchFamily="50" charset="-128"/>
+            </a:endParaRPr>
+          </a:p>
+          <a:p>
+            <a:pPr marL="457200" indent="-457200">
+              <a:buFont typeface="Arial"/>
+              <a:buAutoNum type="arabicParenBoth"/>
+            </a:pPr>
+            <a:r>
+              <a:rPr lang="ja-JP" altLang="en-US" sz="2000" dirty="0">
+                <a:solidFill>
+                  <a:schemeClr val="bg2">
+                    <a:lumMod val="75000"/>
+                  </a:schemeClr>
+                </a:solidFill>
+                <a:latin typeface="メイリオ" panose="020B0604030504040204" pitchFamily="50" charset="-128"/>
+                <a:ea typeface="メイリオ" panose="020B0604030504040204" pitchFamily="50" charset="-128"/>
+                <a:cs typeface="メイリオ" panose="020B0604030504040204" pitchFamily="50" charset="-128"/>
+              </a:rPr>
+              <a:t>ソフトウェア開発者向け教育資料案</a:t>
+            </a:r>
+            <a:br>
+              <a:rPr lang="en-US" altLang="ja-JP" sz="2000" dirty="0">
+                <a:solidFill>
+                  <a:schemeClr val="bg2">
+                    <a:lumMod val="75000"/>
+                  </a:schemeClr>
+                </a:solidFill>
+                <a:latin typeface="メイリオ" panose="020B0604030504040204" pitchFamily="50" charset="-128"/>
+                <a:ea typeface="メイリオ" panose="020B0604030504040204" pitchFamily="50" charset="-128"/>
+                <a:cs typeface="メイリオ" panose="020B0604030504040204" pitchFamily="50" charset="-128"/>
+              </a:rPr>
+            </a:br>
+            <a:r>
+              <a:rPr lang="ja-JP" altLang="en-US" sz="2000" dirty="0">
+                <a:solidFill>
+                  <a:schemeClr val="bg2">
+                    <a:lumMod val="75000"/>
+                  </a:schemeClr>
+                </a:solidFill>
+                <a:latin typeface="メイリオ" panose="020B0604030504040204" pitchFamily="50" charset="-128"/>
+                <a:ea typeface="メイリオ" panose="020B0604030504040204" pitchFamily="50" charset="-128"/>
+                <a:cs typeface="メイリオ" panose="020B0604030504040204" pitchFamily="50" charset="-128"/>
+              </a:rPr>
+              <a:t>　</a:t>
+            </a:r>
+            <a:r>
+              <a:rPr lang="en-US" altLang="ja-JP" sz="2000" dirty="0">
+                <a:solidFill>
+                  <a:schemeClr val="bg2">
+                    <a:lumMod val="75000"/>
+                  </a:schemeClr>
+                </a:solidFill>
+                <a:latin typeface="メイリオ" panose="020B0604030504040204" pitchFamily="50" charset="-128"/>
+                <a:ea typeface="メイリオ" panose="020B0604030504040204" pitchFamily="50" charset="-128"/>
+                <a:cs typeface="メイリオ" panose="020B0604030504040204" pitchFamily="50" charset="-128"/>
+              </a:rPr>
+              <a:t>(</a:t>
+            </a:r>
+            <a:r>
+              <a:rPr lang="ja-JP" altLang="en-US" sz="2000" dirty="0">
+                <a:solidFill>
+                  <a:schemeClr val="bg2">
+                    <a:lumMod val="75000"/>
+                  </a:schemeClr>
+                </a:solidFill>
+                <a:latin typeface="メイリオ" panose="020B0604030504040204" pitchFamily="50" charset="-128"/>
+                <a:ea typeface="メイリオ" panose="020B0604030504040204" pitchFamily="50" charset="-128"/>
+                <a:cs typeface="メイリオ" panose="020B0604030504040204" pitchFamily="50" charset="-128"/>
+              </a:rPr>
+              <a:t>コンプライアンスプログラム･バージョン</a:t>
+            </a:r>
+            <a:r>
+              <a:rPr lang="en-US" altLang="ja-JP" sz="2000" dirty="0">
+                <a:solidFill>
+                  <a:schemeClr val="bg2">
+                    <a:lumMod val="75000"/>
+                  </a:schemeClr>
+                </a:solidFill>
+                <a:latin typeface="メイリオ" panose="020B0604030504040204" pitchFamily="50" charset="-128"/>
+                <a:ea typeface="メイリオ" panose="020B0604030504040204" pitchFamily="50" charset="-128"/>
+                <a:cs typeface="メイリオ" panose="020B0604030504040204" pitchFamily="50" charset="-128"/>
+              </a:rPr>
+              <a:t>)</a:t>
+            </a:r>
+          </a:p>
+        </p:txBody>
+      </p:sp>
     </p:spTree>
     <p:extLst>
       <p:ext uri="{BB962C8B-B14F-4D97-AF65-F5344CB8AC3E}">
@@ -4944,6 +5499,19 @@
               </a:spcBef>
               <a:buNone/>
             </a:pPr>
+            <a:r>
+              <a:rPr lang="en-US" altLang="ja-JP" sz="2800" dirty="0">
+                <a:solidFill>
+                  <a:schemeClr val="bg2">
+                    <a:lumMod val="75000"/>
+                  </a:schemeClr>
+                </a:solidFill>
+                <a:latin typeface="メイリオ" panose="020B0604030504040204" pitchFamily="50" charset="-128"/>
+                <a:ea typeface="メイリオ" panose="020B0604030504040204" pitchFamily="50" charset="-128"/>
+                <a:cs typeface="メイリオ" panose="020B0604030504040204" pitchFamily="50" charset="-128"/>
+              </a:rPr>
+              <a:t>(1)</a:t>
+            </a:r>
             <a:r>
               <a:rPr lang="ja-JP" altLang="en-US" sz="2800" dirty="0">
                 <a:solidFill>
@@ -5777,6 +6345,19 @@
               <a:buNone/>
             </a:pPr>
             <a:r>
+              <a:rPr lang="en-US" altLang="ja-JP" sz="2800" dirty="0">
+                <a:solidFill>
+                  <a:schemeClr val="bg2">
+                    <a:lumMod val="75000"/>
+                  </a:schemeClr>
+                </a:solidFill>
+                <a:latin typeface="メイリオ" panose="020B0604030504040204" pitchFamily="50" charset="-128"/>
+                <a:ea typeface="メイリオ" panose="020B0604030504040204" pitchFamily="50" charset="-128"/>
+                <a:cs typeface="メイリオ" panose="020B0604030504040204" pitchFamily="50" charset="-128"/>
+              </a:rPr>
+              <a:t>(2)</a:t>
+            </a:r>
+            <a:r>
               <a:rPr lang="ja-JP" altLang="en-US" sz="2800" dirty="0">
                 <a:solidFill>
                   <a:schemeClr val="bg2">
@@ -6726,11 +7307,781 @@
               </a:rPr>
               <a:t>3. </a:t>
             </a:r>
+            <a:r>
+              <a:rPr lang="ja-JP" altLang="en-US" kern="0" dirty="0">
+                <a:latin typeface="メイリオ" panose="020B0604030504040204" pitchFamily="50" charset="-128"/>
+                <a:ea typeface="メイリオ" panose="020B0604030504040204" pitchFamily="50" charset="-128"/>
+                <a:cs typeface="メイリオ" panose="020B0604030504040204" pitchFamily="50" charset="-128"/>
+              </a:rPr>
+              <a:t>今後の活動方針</a:t>
+            </a:r>
             <a:endParaRPr lang="en-US" sz="2800" kern="0" dirty="0">
               <a:latin typeface="メイリオ" panose="020B0604030504040204" pitchFamily="50" charset="-128"/>
               <a:ea typeface="メイリオ" panose="020B0604030504040204" pitchFamily="50" charset="-128"/>
               <a:cs typeface="メイリオ" panose="020B0604030504040204" pitchFamily="50" charset="-128"/>
             </a:endParaRPr>
+          </a:p>
+        </p:txBody>
+      </p:sp>
+      <p:sp>
+        <p:nvSpPr>
+          <p:cNvPr id="6" name="テキスト プレースホルダー 1">
+            <a:extLst>
+              <a:ext uri="{FF2B5EF4-FFF2-40B4-BE49-F238E27FC236}">
+                <a16:creationId xmlns:a16="http://schemas.microsoft.com/office/drawing/2014/main" id="{40D169BB-3E5C-4856-A3BD-88F9AA8F7AB5}"/>
+              </a:ext>
+            </a:extLst>
+          </p:cNvPr>
+          <p:cNvSpPr>
+            <a:spLocks noGrp="1"/>
+          </p:cNvSpPr>
+          <p:nvPr>
+            <p:ph type="body" idx="1"/>
+          </p:nvPr>
+        </p:nvSpPr>
+        <p:spPr>
+          <a:xfrm>
+            <a:off x="495301" y="967782"/>
+            <a:ext cx="8915399" cy="5595250"/>
+          </a:xfrm>
+        </p:spPr>
+        <p:txBody>
+          <a:bodyPr/>
+          <a:lstStyle/>
+          <a:p>
+            <a:pPr marL="0" indent="0">
+              <a:buNone/>
+            </a:pPr>
+            <a:r>
+              <a:rPr lang="ja-JP" altLang="en-US" sz="2400" dirty="0">
+                <a:solidFill>
+                  <a:schemeClr val="tx1"/>
+                </a:solidFill>
+                <a:latin typeface="メイリオ" panose="020B0604030504040204" pitchFamily="50" charset="-128"/>
+                <a:ea typeface="メイリオ" panose="020B0604030504040204" pitchFamily="50" charset="-128"/>
+                <a:cs typeface="メイリオ" panose="020B0604030504040204" pitchFamily="50" charset="-128"/>
+              </a:rPr>
+              <a:t>ソフトウェア開発者向け教育資料案の英語化を継続すると共に、</a:t>
+            </a:r>
+            <a:r>
+              <a:rPr lang="en-US" altLang="ja-JP" sz="2400" dirty="0">
+                <a:solidFill>
+                  <a:schemeClr val="tx1"/>
+                </a:solidFill>
+                <a:latin typeface="メイリオ" panose="020B0604030504040204" pitchFamily="50" charset="-128"/>
+                <a:ea typeface="メイリオ" panose="020B0604030504040204" pitchFamily="50" charset="-128"/>
+                <a:cs typeface="メイリオ" panose="020B0604030504040204" pitchFamily="50" charset="-128"/>
+              </a:rPr>
+              <a:t>SWG</a:t>
+            </a:r>
+            <a:r>
+              <a:rPr lang="ja-JP" altLang="en-US" sz="2400" dirty="0">
+                <a:solidFill>
+                  <a:schemeClr val="tx1"/>
+                </a:solidFill>
+                <a:latin typeface="メイリオ" panose="020B0604030504040204" pitchFamily="50" charset="-128"/>
+                <a:ea typeface="メイリオ" panose="020B0604030504040204" pitchFamily="50" charset="-128"/>
+                <a:cs typeface="メイリオ" panose="020B0604030504040204" pitchFamily="50" charset="-128"/>
+              </a:rPr>
+              <a:t>会合での</a:t>
+            </a:r>
+            <a:r>
+              <a:rPr lang="en-US" altLang="ja-JP" sz="2400" dirty="0">
+                <a:solidFill>
+                  <a:schemeClr val="tx1"/>
+                </a:solidFill>
+                <a:latin typeface="メイリオ" panose="020B0604030504040204" pitchFamily="50" charset="-128"/>
+                <a:ea typeface="メイリオ" panose="020B0604030504040204" pitchFamily="50" charset="-128"/>
+                <a:cs typeface="メイリオ" panose="020B0604030504040204" pitchFamily="50" charset="-128"/>
+              </a:rPr>
+              <a:t>OSS</a:t>
+            </a:r>
+            <a:r>
+              <a:rPr lang="ja-JP" altLang="en-US" sz="2400" dirty="0">
+                <a:solidFill>
+                  <a:schemeClr val="tx1"/>
+                </a:solidFill>
+                <a:latin typeface="メイリオ" panose="020B0604030504040204" pitchFamily="50" charset="-128"/>
+                <a:ea typeface="メイリオ" panose="020B0604030504040204" pitchFamily="50" charset="-128"/>
+                <a:cs typeface="メイリオ" panose="020B0604030504040204" pitchFamily="50" charset="-128"/>
+              </a:rPr>
+              <a:t>教育</a:t>
+            </a:r>
+            <a:r>
+              <a:rPr lang="en-US" altLang="ja-JP" sz="2400" dirty="0">
+                <a:solidFill>
+                  <a:schemeClr val="tx1"/>
+                </a:solidFill>
+                <a:latin typeface="メイリオ" panose="020B0604030504040204" pitchFamily="50" charset="-128"/>
+                <a:ea typeface="メイリオ" panose="020B0604030504040204" pitchFamily="50" charset="-128"/>
+                <a:cs typeface="メイリオ" panose="020B0604030504040204" pitchFamily="50" charset="-128"/>
+              </a:rPr>
+              <a:t>/OSS</a:t>
+            </a:r>
+            <a:r>
+              <a:rPr lang="ja-JP" altLang="en-US" sz="2400" dirty="0">
+                <a:solidFill>
+                  <a:schemeClr val="tx1"/>
+                </a:solidFill>
+                <a:latin typeface="メイリオ" panose="020B0604030504040204" pitchFamily="50" charset="-128"/>
+                <a:ea typeface="メイリオ" panose="020B0604030504040204" pitchFamily="50" charset="-128"/>
+                <a:cs typeface="メイリオ" panose="020B0604030504040204" pitchFamily="50" charset="-128"/>
+              </a:rPr>
+              <a:t>活用啓発の各社課題</a:t>
+            </a:r>
+            <a:r>
+              <a:rPr lang="en-US" altLang="ja-JP" sz="2400" dirty="0">
+                <a:solidFill>
+                  <a:schemeClr val="tx1"/>
+                </a:solidFill>
+                <a:latin typeface="メイリオ" panose="020B0604030504040204" pitchFamily="50" charset="-128"/>
+                <a:ea typeface="メイリオ" panose="020B0604030504040204" pitchFamily="50" charset="-128"/>
+                <a:cs typeface="メイリオ" panose="020B0604030504040204" pitchFamily="50" charset="-128"/>
+              </a:rPr>
+              <a:t>/</a:t>
+            </a:r>
+            <a:r>
+              <a:rPr lang="ja-JP" altLang="en-US" sz="2400" dirty="0">
+                <a:solidFill>
+                  <a:schemeClr val="tx1"/>
+                </a:solidFill>
+                <a:latin typeface="メイリオ" panose="020B0604030504040204" pitchFamily="50" charset="-128"/>
+                <a:ea typeface="メイリオ" panose="020B0604030504040204" pitchFamily="50" charset="-128"/>
+                <a:cs typeface="メイリオ" panose="020B0604030504040204" pitchFamily="50" charset="-128"/>
+              </a:rPr>
+              <a:t>事例の情報共有と</a:t>
+            </a:r>
+            <a:r>
+              <a:rPr lang="en-US" altLang="ja-JP" sz="2400" dirty="0" err="1">
+                <a:solidFill>
+                  <a:schemeClr val="tx1"/>
+                </a:solidFill>
+                <a:latin typeface="メイリオ" panose="020B0604030504040204" pitchFamily="50" charset="-128"/>
+                <a:ea typeface="メイリオ" panose="020B0604030504040204" pitchFamily="50" charset="-128"/>
+                <a:cs typeface="メイリオ" panose="020B0604030504040204" pitchFamily="50" charset="-128"/>
+              </a:rPr>
+              <a:t>JapanWG</a:t>
+            </a:r>
+            <a:r>
+              <a:rPr lang="ja-JP" altLang="en-US" sz="2400" dirty="0">
+                <a:solidFill>
+                  <a:schemeClr val="tx1"/>
+                </a:solidFill>
+                <a:latin typeface="メイリオ" panose="020B0604030504040204" pitchFamily="50" charset="-128"/>
+                <a:ea typeface="メイリオ" panose="020B0604030504040204" pitchFamily="50" charset="-128"/>
+                <a:cs typeface="メイリオ" panose="020B0604030504040204" pitchFamily="50" charset="-128"/>
+              </a:rPr>
+              <a:t>への情報発信を行う。</a:t>
+            </a:r>
+            <a:endParaRPr kumimoji="1" lang="ja-JP" altLang="en-US" dirty="0">
+              <a:solidFill>
+                <a:schemeClr val="tx1"/>
+              </a:solidFill>
+              <a:latin typeface="メイリオ" panose="020B0604030504040204" pitchFamily="50" charset="-128"/>
+              <a:ea typeface="メイリオ" panose="020B0604030504040204" pitchFamily="50" charset="-128"/>
+              <a:cs typeface="メイリオ" panose="020B0604030504040204" pitchFamily="50" charset="-128"/>
+            </a:endParaRPr>
+          </a:p>
+          <a:p>
+            <a:pPr marL="0" indent="0">
+              <a:buNone/>
+            </a:pPr>
+            <a:endParaRPr kumimoji="1" lang="en-US" altLang="ja-JP" sz="1400" dirty="0">
+              <a:latin typeface="メイリオ" panose="020B0604030504040204" pitchFamily="50" charset="-128"/>
+              <a:ea typeface="メイリオ" panose="020B0604030504040204" pitchFamily="50" charset="-128"/>
+              <a:cs typeface="メイリオ" panose="020B0604030504040204" pitchFamily="50" charset="-128"/>
+            </a:endParaRPr>
+          </a:p>
+          <a:p>
+            <a:pPr marL="0" indent="0">
+              <a:buNone/>
+            </a:pPr>
+            <a:r>
+              <a:rPr kumimoji="1" lang="ja-JP" altLang="en-US" sz="2000" dirty="0">
+                <a:latin typeface="メイリオ" panose="020B0604030504040204" pitchFamily="50" charset="-128"/>
+                <a:ea typeface="メイリオ" panose="020B0604030504040204" pitchFamily="50" charset="-128"/>
+                <a:cs typeface="メイリオ" panose="020B0604030504040204" pitchFamily="50" charset="-128"/>
+              </a:rPr>
+              <a:t>活動方針</a:t>
+            </a:r>
+            <a:endParaRPr kumimoji="1" lang="en-US" altLang="ja-JP" sz="2000" dirty="0">
+              <a:latin typeface="メイリオ" panose="020B0604030504040204" pitchFamily="50" charset="-128"/>
+              <a:ea typeface="メイリオ" panose="020B0604030504040204" pitchFamily="50" charset="-128"/>
+              <a:cs typeface="メイリオ" panose="020B0604030504040204" pitchFamily="50" charset="-128"/>
+            </a:endParaRPr>
+          </a:p>
+          <a:p>
+            <a:pPr marL="457200" indent="-457200">
+              <a:buFont typeface="Arial"/>
+              <a:buAutoNum type="arabicParenBoth"/>
+            </a:pPr>
+            <a:r>
+              <a:rPr lang="ja-JP" altLang="en-US" sz="2000" dirty="0">
+                <a:solidFill>
+                  <a:schemeClr val="bg2">
+                    <a:lumMod val="75000"/>
+                  </a:schemeClr>
+                </a:solidFill>
+                <a:latin typeface="メイリオ" panose="020B0604030504040204" pitchFamily="50" charset="-128"/>
+                <a:ea typeface="メイリオ" panose="020B0604030504040204" pitchFamily="50" charset="-128"/>
+                <a:cs typeface="メイリオ" panose="020B0604030504040204" pitchFamily="50" charset="-128"/>
+              </a:rPr>
+              <a:t>ソフトウェア開発者向け教育資料案</a:t>
+            </a:r>
+            <a:br>
+              <a:rPr lang="en-US" altLang="ja-JP" sz="2000" dirty="0">
+                <a:solidFill>
+                  <a:schemeClr val="bg2">
+                    <a:lumMod val="75000"/>
+                  </a:schemeClr>
+                </a:solidFill>
+                <a:latin typeface="メイリオ" panose="020B0604030504040204" pitchFamily="50" charset="-128"/>
+                <a:ea typeface="メイリオ" panose="020B0604030504040204" pitchFamily="50" charset="-128"/>
+                <a:cs typeface="メイリオ" panose="020B0604030504040204" pitchFamily="50" charset="-128"/>
+              </a:rPr>
+            </a:br>
+            <a:r>
+              <a:rPr lang="ja-JP" altLang="en-US" sz="2000" dirty="0">
+                <a:solidFill>
+                  <a:schemeClr val="bg2">
+                    <a:lumMod val="75000"/>
+                  </a:schemeClr>
+                </a:solidFill>
+                <a:latin typeface="メイリオ" panose="020B0604030504040204" pitchFamily="50" charset="-128"/>
+                <a:ea typeface="メイリオ" panose="020B0604030504040204" pitchFamily="50" charset="-128"/>
+                <a:cs typeface="メイリオ" panose="020B0604030504040204" pitchFamily="50" charset="-128"/>
+              </a:rPr>
+              <a:t>　</a:t>
+            </a:r>
+            <a:r>
+              <a:rPr lang="en-US" altLang="ja-JP" sz="2000" dirty="0">
+                <a:solidFill>
+                  <a:schemeClr val="bg2">
+                    <a:lumMod val="75000"/>
+                  </a:schemeClr>
+                </a:solidFill>
+                <a:latin typeface="メイリオ" panose="020B0604030504040204" pitchFamily="50" charset="-128"/>
+                <a:ea typeface="メイリオ" panose="020B0604030504040204" pitchFamily="50" charset="-128"/>
+                <a:cs typeface="メイリオ" panose="020B0604030504040204" pitchFamily="50" charset="-128"/>
+              </a:rPr>
+              <a:t>(</a:t>
+            </a:r>
+            <a:r>
+              <a:rPr lang="ja-JP" altLang="en-US" sz="2000" dirty="0">
+                <a:solidFill>
+                  <a:schemeClr val="bg2">
+                    <a:lumMod val="75000"/>
+                  </a:schemeClr>
+                </a:solidFill>
+                <a:latin typeface="メイリオ" panose="020B0604030504040204" pitchFamily="50" charset="-128"/>
+                <a:ea typeface="メイリオ" panose="020B0604030504040204" pitchFamily="50" charset="-128"/>
+                <a:cs typeface="メイリオ" panose="020B0604030504040204" pitchFamily="50" charset="-128"/>
+              </a:rPr>
+              <a:t>コンプライアンスプログラム･バージョン</a:t>
+            </a:r>
+            <a:r>
+              <a:rPr lang="en-US" altLang="ja-JP" sz="2000" dirty="0">
+                <a:solidFill>
+                  <a:schemeClr val="bg2">
+                    <a:lumMod val="75000"/>
+                  </a:schemeClr>
+                </a:solidFill>
+                <a:latin typeface="メイリオ" panose="020B0604030504040204" pitchFamily="50" charset="-128"/>
+                <a:ea typeface="メイリオ" panose="020B0604030504040204" pitchFamily="50" charset="-128"/>
+                <a:cs typeface="メイリオ" panose="020B0604030504040204" pitchFamily="50" charset="-128"/>
+              </a:rPr>
+              <a:t>)</a:t>
+            </a:r>
+            <a:r>
+              <a:rPr lang="ja-JP" altLang="en-US" sz="2000" dirty="0">
+                <a:solidFill>
+                  <a:schemeClr val="bg2">
+                    <a:lumMod val="75000"/>
+                  </a:schemeClr>
+                </a:solidFill>
+                <a:latin typeface="メイリオ" panose="020B0604030504040204" pitchFamily="50" charset="-128"/>
+                <a:ea typeface="メイリオ" panose="020B0604030504040204" pitchFamily="50" charset="-128"/>
+                <a:cs typeface="メイリオ" panose="020B0604030504040204" pitchFamily="50" charset="-128"/>
+              </a:rPr>
+              <a:t>の英語化</a:t>
+            </a:r>
+            <a:endParaRPr lang="en-US" altLang="ja-JP" sz="2000" dirty="0">
+              <a:solidFill>
+                <a:schemeClr val="bg2">
+                  <a:lumMod val="75000"/>
+                </a:schemeClr>
+              </a:solidFill>
+              <a:latin typeface="メイリオ" panose="020B0604030504040204" pitchFamily="50" charset="-128"/>
+              <a:ea typeface="メイリオ" panose="020B0604030504040204" pitchFamily="50" charset="-128"/>
+              <a:cs typeface="メイリオ" panose="020B0604030504040204" pitchFamily="50" charset="-128"/>
+            </a:endParaRPr>
+          </a:p>
+          <a:p>
+            <a:pPr marL="457200" indent="-457200">
+              <a:buFont typeface="Arial"/>
+              <a:buAutoNum type="arabicParenBoth"/>
+            </a:pPr>
+            <a:r>
+              <a:rPr lang="en-US" altLang="ja-JP" sz="2000" dirty="0">
+                <a:solidFill>
+                  <a:schemeClr val="bg2">
+                    <a:lumMod val="75000"/>
+                  </a:schemeClr>
+                </a:solidFill>
+                <a:latin typeface="メイリオ" panose="020B0604030504040204" pitchFamily="50" charset="-128"/>
+                <a:ea typeface="メイリオ" panose="020B0604030504040204" pitchFamily="50" charset="-128"/>
+                <a:cs typeface="メイリオ" panose="020B0604030504040204" pitchFamily="50" charset="-128"/>
+              </a:rPr>
+              <a:t>SWG</a:t>
+            </a:r>
+            <a:r>
+              <a:rPr lang="ja-JP" altLang="en-US" sz="2000" dirty="0">
+                <a:solidFill>
+                  <a:schemeClr val="bg2">
+                    <a:lumMod val="75000"/>
+                  </a:schemeClr>
+                </a:solidFill>
+                <a:latin typeface="メイリオ" panose="020B0604030504040204" pitchFamily="50" charset="-128"/>
+                <a:ea typeface="メイリオ" panose="020B0604030504040204" pitchFamily="50" charset="-128"/>
+                <a:cs typeface="メイリオ" panose="020B0604030504040204" pitchFamily="50" charset="-128"/>
+              </a:rPr>
+              <a:t>会合での</a:t>
+            </a:r>
+            <a:r>
+              <a:rPr lang="en-US" altLang="ja-JP" sz="2000" dirty="0">
+                <a:solidFill>
+                  <a:schemeClr val="bg2">
+                    <a:lumMod val="75000"/>
+                  </a:schemeClr>
+                </a:solidFill>
+                <a:latin typeface="メイリオ" panose="020B0604030504040204" pitchFamily="50" charset="-128"/>
+                <a:ea typeface="メイリオ" panose="020B0604030504040204" pitchFamily="50" charset="-128"/>
+                <a:cs typeface="メイリオ" panose="020B0604030504040204" pitchFamily="50" charset="-128"/>
+              </a:rPr>
+              <a:t>OSS</a:t>
+            </a:r>
+            <a:r>
+              <a:rPr lang="ja-JP" altLang="en-US" sz="2000" dirty="0">
+                <a:solidFill>
+                  <a:schemeClr val="bg2">
+                    <a:lumMod val="75000"/>
+                  </a:schemeClr>
+                </a:solidFill>
+                <a:latin typeface="メイリオ" panose="020B0604030504040204" pitchFamily="50" charset="-128"/>
+                <a:ea typeface="メイリオ" panose="020B0604030504040204" pitchFamily="50" charset="-128"/>
+                <a:cs typeface="メイリオ" panose="020B0604030504040204" pitchFamily="50" charset="-128"/>
+              </a:rPr>
+              <a:t>教育</a:t>
+            </a:r>
+            <a:r>
+              <a:rPr lang="en-US" altLang="ja-JP" sz="2000" dirty="0">
+                <a:solidFill>
+                  <a:schemeClr val="bg2">
+                    <a:lumMod val="75000"/>
+                  </a:schemeClr>
+                </a:solidFill>
+                <a:latin typeface="メイリオ" panose="020B0604030504040204" pitchFamily="50" charset="-128"/>
+                <a:ea typeface="メイリオ" panose="020B0604030504040204" pitchFamily="50" charset="-128"/>
+                <a:cs typeface="メイリオ" panose="020B0604030504040204" pitchFamily="50" charset="-128"/>
+              </a:rPr>
+              <a:t>/</a:t>
+            </a:r>
+            <a:r>
+              <a:rPr lang="ja-JP" altLang="en-US" sz="2000" dirty="0">
+                <a:solidFill>
+                  <a:schemeClr val="bg2">
+                    <a:lumMod val="75000"/>
+                  </a:schemeClr>
+                </a:solidFill>
+                <a:latin typeface="メイリオ" panose="020B0604030504040204" pitchFamily="50" charset="-128"/>
+                <a:ea typeface="メイリオ" panose="020B0604030504040204" pitchFamily="50" charset="-128"/>
+                <a:cs typeface="メイリオ" panose="020B0604030504040204" pitchFamily="50" charset="-128"/>
+              </a:rPr>
+              <a:t>活用啓発の各社課題</a:t>
+            </a:r>
+            <a:r>
+              <a:rPr lang="en-US" altLang="ja-JP" sz="2000" dirty="0">
+                <a:solidFill>
+                  <a:schemeClr val="bg2">
+                    <a:lumMod val="75000"/>
+                  </a:schemeClr>
+                </a:solidFill>
+                <a:latin typeface="メイリオ" panose="020B0604030504040204" pitchFamily="50" charset="-128"/>
+                <a:ea typeface="メイリオ" panose="020B0604030504040204" pitchFamily="50" charset="-128"/>
+                <a:cs typeface="メイリオ" panose="020B0604030504040204" pitchFamily="50" charset="-128"/>
+              </a:rPr>
+              <a:t>/</a:t>
+            </a:r>
+            <a:r>
+              <a:rPr lang="ja-JP" altLang="en-US" sz="2000" dirty="0">
+                <a:solidFill>
+                  <a:schemeClr val="bg2">
+                    <a:lumMod val="75000"/>
+                  </a:schemeClr>
+                </a:solidFill>
+                <a:latin typeface="メイリオ" panose="020B0604030504040204" pitchFamily="50" charset="-128"/>
+                <a:ea typeface="メイリオ" panose="020B0604030504040204" pitchFamily="50" charset="-128"/>
+                <a:cs typeface="メイリオ" panose="020B0604030504040204" pitchFamily="50" charset="-128"/>
+              </a:rPr>
+              <a:t>事例の情報共有と</a:t>
+            </a:r>
+            <a:r>
+              <a:rPr lang="en-US" altLang="ja-JP" sz="2000" dirty="0" err="1">
+                <a:solidFill>
+                  <a:schemeClr val="bg2">
+                    <a:lumMod val="75000"/>
+                  </a:schemeClr>
+                </a:solidFill>
+                <a:latin typeface="メイリオ" panose="020B0604030504040204" pitchFamily="50" charset="-128"/>
+                <a:ea typeface="メイリオ" panose="020B0604030504040204" pitchFamily="50" charset="-128"/>
+                <a:cs typeface="メイリオ" panose="020B0604030504040204" pitchFamily="50" charset="-128"/>
+              </a:rPr>
+              <a:t>JapanWG</a:t>
+            </a:r>
+            <a:r>
+              <a:rPr lang="ja-JP" altLang="en-US" sz="2000" dirty="0">
+                <a:solidFill>
+                  <a:schemeClr val="bg2">
+                    <a:lumMod val="75000"/>
+                  </a:schemeClr>
+                </a:solidFill>
+                <a:latin typeface="メイリオ" panose="020B0604030504040204" pitchFamily="50" charset="-128"/>
+                <a:ea typeface="メイリオ" panose="020B0604030504040204" pitchFamily="50" charset="-128"/>
+                <a:cs typeface="メイリオ" panose="020B0604030504040204" pitchFamily="50" charset="-128"/>
+              </a:rPr>
+              <a:t>への情報発信</a:t>
+            </a:r>
+            <a:endParaRPr lang="en-US" altLang="ja-JP" sz="2000" dirty="0">
+              <a:solidFill>
+                <a:schemeClr val="bg2">
+                  <a:lumMod val="75000"/>
+                </a:schemeClr>
+              </a:solidFill>
+              <a:latin typeface="メイリオ" panose="020B0604030504040204" pitchFamily="50" charset="-128"/>
+              <a:ea typeface="メイリオ" panose="020B0604030504040204" pitchFamily="50" charset="-128"/>
+              <a:cs typeface="メイリオ" panose="020B0604030504040204" pitchFamily="50" charset="-128"/>
+            </a:endParaRPr>
+          </a:p>
+          <a:p>
+            <a:pPr marL="0" indent="0">
+              <a:buNone/>
+            </a:pPr>
+            <a:r>
+              <a:rPr lang="ja-JP" altLang="en-US" sz="2000" dirty="0">
+                <a:solidFill>
+                  <a:schemeClr val="bg2">
+                    <a:lumMod val="75000"/>
+                  </a:schemeClr>
+                </a:solidFill>
+                <a:latin typeface="メイリオ" panose="020B0604030504040204" pitchFamily="50" charset="-128"/>
+                <a:ea typeface="メイリオ" panose="020B0604030504040204" pitchFamily="50" charset="-128"/>
+                <a:cs typeface="メイリオ" panose="020B0604030504040204" pitchFamily="50" charset="-128"/>
+              </a:rPr>
+              <a:t>　　</a:t>
+            </a:r>
+            <a:r>
+              <a:rPr lang="en-US" altLang="ja-JP" sz="2000" dirty="0">
+                <a:solidFill>
+                  <a:schemeClr val="tx1"/>
+                </a:solidFill>
+                <a:latin typeface="メイリオ" panose="020B0604030504040204" pitchFamily="50" charset="-128"/>
+                <a:ea typeface="メイリオ" panose="020B0604030504040204" pitchFamily="50" charset="-128"/>
+                <a:cs typeface="メイリオ" panose="020B0604030504040204" pitchFamily="50" charset="-128"/>
+              </a:rPr>
+              <a:t>2021/2/26</a:t>
+            </a:r>
+            <a:r>
+              <a:rPr lang="ja-JP" altLang="en-US" sz="2000" dirty="0">
+                <a:solidFill>
+                  <a:schemeClr val="tx1"/>
+                </a:solidFill>
+                <a:latin typeface="メイリオ" panose="020B0604030504040204" pitchFamily="50" charset="-128"/>
+                <a:ea typeface="メイリオ" panose="020B0604030504040204" pitchFamily="50" charset="-128"/>
+                <a:cs typeface="メイリオ" panose="020B0604030504040204" pitchFamily="50" charset="-128"/>
+              </a:rPr>
+              <a:t>オンライン会合：</a:t>
+            </a:r>
+            <a:br>
+              <a:rPr lang="en-US" altLang="ja-JP" sz="2000" dirty="0">
+                <a:solidFill>
+                  <a:schemeClr val="tx1"/>
+                </a:solidFill>
+                <a:latin typeface="メイリオ" panose="020B0604030504040204" pitchFamily="50" charset="-128"/>
+                <a:ea typeface="メイリオ" panose="020B0604030504040204" pitchFamily="50" charset="-128"/>
+                <a:cs typeface="メイリオ" panose="020B0604030504040204" pitchFamily="50" charset="-128"/>
+              </a:rPr>
+            </a:br>
+            <a:r>
+              <a:rPr lang="ja-JP" altLang="en-US" sz="2000" dirty="0">
+                <a:solidFill>
+                  <a:schemeClr val="tx1"/>
+                </a:solidFill>
+                <a:latin typeface="メイリオ" panose="020B0604030504040204" pitchFamily="50" charset="-128"/>
+                <a:ea typeface="メイリオ" panose="020B0604030504040204" pitchFamily="50" charset="-128"/>
+                <a:cs typeface="メイリオ" panose="020B0604030504040204" pitchFamily="50" charset="-128"/>
+              </a:rPr>
+              <a:t>　　・参加７社の</a:t>
+            </a:r>
+            <a:r>
+              <a:rPr lang="en-US" altLang="ja-JP" sz="2000" dirty="0">
+                <a:solidFill>
+                  <a:schemeClr val="tx1"/>
+                </a:solidFill>
+                <a:latin typeface="メイリオ" panose="020B0604030504040204" pitchFamily="50" charset="-128"/>
+                <a:ea typeface="メイリオ" panose="020B0604030504040204" pitchFamily="50" charset="-128"/>
+                <a:cs typeface="メイリオ" panose="020B0604030504040204" pitchFamily="50" charset="-128"/>
+              </a:rPr>
+              <a:t>OSS</a:t>
+            </a:r>
+            <a:r>
+              <a:rPr lang="ja-JP" altLang="en-US" sz="2000" dirty="0">
+                <a:solidFill>
+                  <a:schemeClr val="tx1"/>
+                </a:solidFill>
+                <a:latin typeface="メイリオ" panose="020B0604030504040204" pitchFamily="50" charset="-128"/>
+                <a:ea typeface="メイリオ" panose="020B0604030504040204" pitchFamily="50" charset="-128"/>
+                <a:cs typeface="メイリオ" panose="020B0604030504040204" pitchFamily="50" charset="-128"/>
+              </a:rPr>
+              <a:t>教育の課題他のフリーディスカッション</a:t>
+            </a:r>
+            <a:endParaRPr lang="en-US" altLang="ja-JP" sz="2000" dirty="0">
+              <a:solidFill>
+                <a:schemeClr val="tx1"/>
+              </a:solidFill>
+              <a:latin typeface="メイリオ" panose="020B0604030504040204" pitchFamily="50" charset="-128"/>
+              <a:ea typeface="メイリオ" panose="020B0604030504040204" pitchFamily="50" charset="-128"/>
+              <a:cs typeface="メイリオ" panose="020B0604030504040204" pitchFamily="50" charset="-128"/>
+            </a:endParaRPr>
+          </a:p>
+          <a:p>
+            <a:pPr marL="0" indent="0">
+              <a:buNone/>
+            </a:pPr>
+            <a:r>
+              <a:rPr lang="ja-JP" altLang="en-US" sz="2000" dirty="0">
+                <a:solidFill>
+                  <a:schemeClr val="tx1"/>
+                </a:solidFill>
+                <a:latin typeface="メイリオ" panose="020B0604030504040204" pitchFamily="50" charset="-128"/>
+                <a:ea typeface="メイリオ" panose="020B0604030504040204" pitchFamily="50" charset="-128"/>
+                <a:cs typeface="メイリオ" panose="020B0604030504040204" pitchFamily="50" charset="-128"/>
+              </a:rPr>
+              <a:t>　　　⇒課題の纏めを行い、テーマを決めてオンライン会合で継続議論予定</a:t>
+            </a:r>
+            <a:br>
+              <a:rPr lang="en-US" altLang="ja-JP" sz="2000" dirty="0">
+                <a:solidFill>
+                  <a:schemeClr val="tx1"/>
+                </a:solidFill>
+                <a:latin typeface="メイリオ" panose="020B0604030504040204" pitchFamily="50" charset="-128"/>
+                <a:ea typeface="メイリオ" panose="020B0604030504040204" pitchFamily="50" charset="-128"/>
+                <a:cs typeface="メイリオ" panose="020B0604030504040204" pitchFamily="50" charset="-128"/>
+              </a:rPr>
+            </a:br>
+            <a:r>
+              <a:rPr lang="ja-JP" altLang="en-US" sz="2000" dirty="0">
+                <a:solidFill>
+                  <a:schemeClr val="tx1"/>
+                </a:solidFill>
+                <a:latin typeface="メイリオ" panose="020B0604030504040204" pitchFamily="50" charset="-128"/>
+                <a:ea typeface="メイリオ" panose="020B0604030504040204" pitchFamily="50" charset="-128"/>
+                <a:cs typeface="メイリオ" panose="020B0604030504040204" pitchFamily="50" charset="-128"/>
+              </a:rPr>
+              <a:t>　　・</a:t>
+            </a:r>
+            <a:r>
+              <a:rPr lang="en-US" altLang="ja-JP" sz="2000" dirty="0">
+                <a:solidFill>
+                  <a:schemeClr val="tx1"/>
+                </a:solidFill>
+                <a:latin typeface="メイリオ" panose="020B0604030504040204" pitchFamily="50" charset="-128"/>
+                <a:ea typeface="メイリオ" panose="020B0604030504040204" pitchFamily="50" charset="-128"/>
+                <a:cs typeface="メイリオ" panose="020B0604030504040204" pitchFamily="50" charset="-128"/>
+              </a:rPr>
+              <a:t>NEC</a:t>
+            </a:r>
+            <a:r>
+              <a:rPr lang="ja-JP" altLang="en-US" sz="2000" dirty="0">
+                <a:solidFill>
+                  <a:schemeClr val="tx1"/>
+                </a:solidFill>
+                <a:latin typeface="メイリオ" panose="020B0604030504040204" pitchFamily="50" charset="-128"/>
+                <a:ea typeface="メイリオ" panose="020B0604030504040204" pitchFamily="50" charset="-128"/>
+                <a:cs typeface="メイリオ" panose="020B0604030504040204" pitchFamily="50" charset="-128"/>
+              </a:rPr>
+              <a:t>殿の社内教育資料の紹介　⇒</a:t>
+            </a:r>
+            <a:r>
+              <a:rPr lang="en-US" altLang="ja-JP" sz="2000" dirty="0" err="1">
+                <a:solidFill>
+                  <a:schemeClr val="tx1"/>
+                </a:solidFill>
+                <a:latin typeface="メイリオ" panose="020B0604030504040204" pitchFamily="50" charset="-128"/>
+                <a:ea typeface="メイリオ" panose="020B0604030504040204" pitchFamily="50" charset="-128"/>
+                <a:cs typeface="メイリオ" panose="020B0604030504040204" pitchFamily="50" charset="-128"/>
+              </a:rPr>
+              <a:t>JapanWG</a:t>
+            </a:r>
+            <a:r>
+              <a:rPr lang="ja-JP" altLang="en-US" sz="2000" dirty="0">
+                <a:solidFill>
+                  <a:schemeClr val="tx1"/>
+                </a:solidFill>
+                <a:latin typeface="メイリオ" panose="020B0604030504040204" pitchFamily="50" charset="-128"/>
+                <a:ea typeface="メイリオ" panose="020B0604030504040204" pitchFamily="50" charset="-128"/>
+                <a:cs typeface="メイリオ" panose="020B0604030504040204" pitchFamily="50" charset="-128"/>
+              </a:rPr>
+              <a:t>での紹介</a:t>
+            </a:r>
+            <a:endParaRPr lang="en-US" altLang="ja-JP" sz="2000" dirty="0">
+              <a:solidFill>
+                <a:schemeClr val="tx1"/>
+              </a:solidFill>
+              <a:latin typeface="メイリオ" panose="020B0604030504040204" pitchFamily="50" charset="-128"/>
+              <a:ea typeface="メイリオ" panose="020B0604030504040204" pitchFamily="50" charset="-128"/>
+              <a:cs typeface="メイリオ" panose="020B0604030504040204" pitchFamily="50" charset="-128"/>
+            </a:endParaRPr>
+          </a:p>
+          <a:p>
+            <a:pPr marL="0" indent="0">
+              <a:buNone/>
+            </a:pPr>
+            <a:endParaRPr lang="en-US" altLang="ja-JP" sz="2000" dirty="0">
+              <a:solidFill>
+                <a:schemeClr val="bg2">
+                  <a:lumMod val="75000"/>
+                </a:schemeClr>
+              </a:solidFill>
+              <a:latin typeface="メイリオ" panose="020B0604030504040204" pitchFamily="50" charset="-128"/>
+              <a:ea typeface="メイリオ" panose="020B0604030504040204" pitchFamily="50" charset="-128"/>
+              <a:cs typeface="メイリオ" panose="020B0604030504040204" pitchFamily="50" charset="-128"/>
+            </a:endParaRPr>
+          </a:p>
+          <a:p>
+            <a:pPr marL="0" indent="0">
+              <a:buNone/>
+            </a:pPr>
+            <a:r>
+              <a:rPr lang="en-US" altLang="ja-JP" sz="2000" dirty="0">
+                <a:solidFill>
+                  <a:schemeClr val="tx1"/>
+                </a:solidFill>
+                <a:latin typeface="メイリオ" panose="020B0604030504040204" pitchFamily="50" charset="-128"/>
+                <a:ea typeface="メイリオ" panose="020B0604030504040204" pitchFamily="50" charset="-128"/>
+                <a:cs typeface="メイリオ" panose="020B0604030504040204" pitchFamily="50" charset="-128"/>
+              </a:rPr>
+              <a:t>Slack </a:t>
+            </a:r>
+            <a:r>
+              <a:rPr lang="en-US" altLang="ja-JP" sz="2000" dirty="0" err="1">
+                <a:solidFill>
+                  <a:schemeClr val="tx1"/>
+                </a:solidFill>
+                <a:latin typeface="メイリオ" panose="020B0604030504040204" pitchFamily="50" charset="-128"/>
+                <a:ea typeface="メイリオ" panose="020B0604030504040204" pitchFamily="50" charset="-128"/>
+                <a:cs typeface="メイリオ" panose="020B0604030504040204" pitchFamily="50" charset="-128"/>
+              </a:rPr>
+              <a:t>OpenChain</a:t>
+            </a:r>
+            <a:r>
+              <a:rPr lang="ja-JP" altLang="en-US" sz="2000" dirty="0">
+                <a:solidFill>
+                  <a:schemeClr val="tx1"/>
+                </a:solidFill>
+                <a:latin typeface="メイリオ" panose="020B0604030504040204" pitchFamily="50" charset="-128"/>
+                <a:ea typeface="メイリオ" panose="020B0604030504040204" pitchFamily="50" charset="-128"/>
+                <a:cs typeface="メイリオ" panose="020B0604030504040204" pitchFamily="50" charset="-128"/>
+              </a:rPr>
+              <a:t> </a:t>
+            </a:r>
+            <a:r>
+              <a:rPr lang="en-US" altLang="ja-JP" sz="2000" dirty="0" err="1">
+                <a:solidFill>
+                  <a:schemeClr val="tx1"/>
+                </a:solidFill>
+                <a:latin typeface="メイリオ" panose="020B0604030504040204" pitchFamily="50" charset="-128"/>
+                <a:ea typeface="メイリオ" panose="020B0604030504040204" pitchFamily="50" charset="-128"/>
+                <a:cs typeface="メイリオ" panose="020B0604030504040204" pitchFamily="50" charset="-128"/>
+              </a:rPr>
+              <a:t>JapanWG</a:t>
+            </a:r>
+            <a:r>
+              <a:rPr lang="en-US" altLang="ja-JP" sz="2000" dirty="0">
+                <a:solidFill>
+                  <a:schemeClr val="tx1"/>
+                </a:solidFill>
+                <a:latin typeface="メイリオ" panose="020B0604030504040204" pitchFamily="50" charset="-128"/>
+                <a:ea typeface="メイリオ" panose="020B0604030504040204" pitchFamily="50" charset="-128"/>
+                <a:cs typeface="メイリオ" panose="020B0604030504040204" pitchFamily="50" charset="-128"/>
+              </a:rPr>
+              <a:t> 10_education-sg</a:t>
+            </a:r>
+            <a:r>
+              <a:rPr lang="ja-JP" altLang="en-US" sz="2000" dirty="0">
+                <a:solidFill>
+                  <a:schemeClr val="tx1"/>
+                </a:solidFill>
+                <a:latin typeface="メイリオ" panose="020B0604030504040204" pitchFamily="50" charset="-128"/>
+                <a:ea typeface="メイリオ" panose="020B0604030504040204" pitchFamily="50" charset="-128"/>
+                <a:cs typeface="メイリオ" panose="020B0604030504040204" pitchFamily="50" charset="-128"/>
+              </a:rPr>
+              <a:t>で会合予定、テーマを検討・案内しています。ふるってご参加下さい。</a:t>
+            </a:r>
+            <a:r>
+              <a:rPr lang="en-US" altLang="ja-JP" sz="2000" dirty="0">
+                <a:solidFill>
+                  <a:schemeClr val="tx1"/>
+                </a:solidFill>
+                <a:latin typeface="メイリオ" panose="020B0604030504040204" pitchFamily="50" charset="-128"/>
+                <a:ea typeface="メイリオ" panose="020B0604030504040204" pitchFamily="50" charset="-128"/>
+                <a:cs typeface="メイリオ" panose="020B0604030504040204" pitchFamily="50" charset="-128"/>
+              </a:rPr>
+              <a:t>(</a:t>
+            </a:r>
+            <a:r>
+              <a:rPr lang="ja-JP" altLang="en-US" sz="2000" dirty="0">
+                <a:solidFill>
+                  <a:schemeClr val="tx1"/>
+                </a:solidFill>
+                <a:latin typeface="メイリオ" panose="020B0604030504040204" pitchFamily="50" charset="-128"/>
+                <a:ea typeface="メイリオ" panose="020B0604030504040204" pitchFamily="50" charset="-128"/>
+                <a:cs typeface="メイリオ" panose="020B0604030504040204" pitchFamily="50" charset="-128"/>
+              </a:rPr>
+              <a:t>次回</a:t>
+            </a:r>
+            <a:r>
+              <a:rPr lang="en-US" altLang="ja-JP" sz="2000" dirty="0">
+                <a:solidFill>
+                  <a:schemeClr val="tx1"/>
+                </a:solidFill>
+                <a:latin typeface="メイリオ" panose="020B0604030504040204" pitchFamily="50" charset="-128"/>
+                <a:ea typeface="メイリオ" panose="020B0604030504040204" pitchFamily="50" charset="-128"/>
+                <a:cs typeface="メイリオ" panose="020B0604030504040204" pitchFamily="50" charset="-128"/>
+              </a:rPr>
+              <a:t>2021/4</a:t>
+            </a:r>
+            <a:r>
+              <a:rPr lang="ja-JP" altLang="en-US" sz="2000" dirty="0">
+                <a:solidFill>
+                  <a:schemeClr val="tx1"/>
+                </a:solidFill>
+                <a:latin typeface="メイリオ" panose="020B0604030504040204" pitchFamily="50" charset="-128"/>
+                <a:ea typeface="メイリオ" panose="020B0604030504040204" pitchFamily="50" charset="-128"/>
+                <a:cs typeface="メイリオ" panose="020B0604030504040204" pitchFamily="50" charset="-128"/>
+              </a:rPr>
+              <a:t>月中旬を予定</a:t>
+            </a:r>
+            <a:r>
+              <a:rPr lang="en-US" altLang="ja-JP" sz="2000" dirty="0">
+                <a:solidFill>
+                  <a:schemeClr val="tx1"/>
+                </a:solidFill>
+                <a:latin typeface="メイリオ" panose="020B0604030504040204" pitchFamily="50" charset="-128"/>
+                <a:ea typeface="メイリオ" panose="020B0604030504040204" pitchFamily="50" charset="-128"/>
+                <a:cs typeface="メイリオ" panose="020B0604030504040204" pitchFamily="50" charset="-128"/>
+              </a:rPr>
+              <a:t>)</a:t>
+            </a:r>
           </a:p>
         </p:txBody>
       </p:sp>
